--- a/presentation/domotics presentation.pptx
+++ b/presentation/domotics presentation.pptx
@@ -116,6 +116,11 @@
       </a:defRPr>
     </a:lvl9pPr>
   </p:defaultTextStyle>
+  <p:extLst>
+    <p:ext uri="{EFAFB233-063F-42B5-8137-9DF3F51BA10A}">
+      <p15:sldGuideLst xmlns:p15="http://schemas.microsoft.com/office/powerpoint/2012/main"/>
+    </p:ext>
+  </p:extLst>
 </p:presentation>
 </file>
 
@@ -201,7 +206,7 @@
           <a:p>
             <a:fld id="{E1601F66-F1D6-4845-A1EF-3B74036EC7C0}" type="datetimeFigureOut">
               <a:rPr lang="it-CH" smtClean="0"/>
-              <a:t>17.05.2019</a:t>
+              <a:t>22.05.2019</a:t>
             </a:fld>
             <a:endParaRPr lang="it-CH"/>
           </a:p>
@@ -1429,7 +1434,7 @@
           <a:p>
             <a:fld id="{1771A621-C728-4886-904F-8520FED1FC0E}" type="datetimeFigureOut">
               <a:rPr lang="it-CH" smtClean="0"/>
-              <a:t>17.05.2019</a:t>
+              <a:t>22.05.2019</a:t>
             </a:fld>
             <a:endParaRPr lang="it-CH"/>
           </a:p>
@@ -1629,7 +1634,7 @@
           <a:p>
             <a:fld id="{1771A621-C728-4886-904F-8520FED1FC0E}" type="datetimeFigureOut">
               <a:rPr lang="it-CH" smtClean="0"/>
-              <a:t>17.05.2019</a:t>
+              <a:t>22.05.2019</a:t>
             </a:fld>
             <a:endParaRPr lang="it-CH"/>
           </a:p>
@@ -1839,7 +1844,7 @@
           <a:p>
             <a:fld id="{1771A621-C728-4886-904F-8520FED1FC0E}" type="datetimeFigureOut">
               <a:rPr lang="it-CH" smtClean="0"/>
-              <a:t>17.05.2019</a:t>
+              <a:t>22.05.2019</a:t>
             </a:fld>
             <a:endParaRPr lang="it-CH"/>
           </a:p>
@@ -2039,7 +2044,7 @@
           <a:p>
             <a:fld id="{1771A621-C728-4886-904F-8520FED1FC0E}" type="datetimeFigureOut">
               <a:rPr lang="it-CH" smtClean="0"/>
-              <a:t>17.05.2019</a:t>
+              <a:t>22.05.2019</a:t>
             </a:fld>
             <a:endParaRPr lang="it-CH"/>
           </a:p>
@@ -2315,7 +2320,7 @@
           <a:p>
             <a:fld id="{1771A621-C728-4886-904F-8520FED1FC0E}" type="datetimeFigureOut">
               <a:rPr lang="it-CH" smtClean="0"/>
-              <a:t>17.05.2019</a:t>
+              <a:t>22.05.2019</a:t>
             </a:fld>
             <a:endParaRPr lang="it-CH"/>
           </a:p>
@@ -2583,7 +2588,7 @@
           <a:p>
             <a:fld id="{1771A621-C728-4886-904F-8520FED1FC0E}" type="datetimeFigureOut">
               <a:rPr lang="it-CH" smtClean="0"/>
-              <a:t>17.05.2019</a:t>
+              <a:t>22.05.2019</a:t>
             </a:fld>
             <a:endParaRPr lang="it-CH"/>
           </a:p>
@@ -2998,7 +3003,7 @@
           <a:p>
             <a:fld id="{1771A621-C728-4886-904F-8520FED1FC0E}" type="datetimeFigureOut">
               <a:rPr lang="it-CH" smtClean="0"/>
-              <a:t>17.05.2019</a:t>
+              <a:t>22.05.2019</a:t>
             </a:fld>
             <a:endParaRPr lang="it-CH"/>
           </a:p>
@@ -3140,7 +3145,7 @@
           <a:p>
             <a:fld id="{1771A621-C728-4886-904F-8520FED1FC0E}" type="datetimeFigureOut">
               <a:rPr lang="it-CH" smtClean="0"/>
-              <a:t>17.05.2019</a:t>
+              <a:t>22.05.2019</a:t>
             </a:fld>
             <a:endParaRPr lang="it-CH"/>
           </a:p>
@@ -3253,7 +3258,7 @@
           <a:p>
             <a:fld id="{1771A621-C728-4886-904F-8520FED1FC0E}" type="datetimeFigureOut">
               <a:rPr lang="it-CH" smtClean="0"/>
-              <a:t>17.05.2019</a:t>
+              <a:t>22.05.2019</a:t>
             </a:fld>
             <a:endParaRPr lang="it-CH"/>
           </a:p>
@@ -3566,7 +3571,7 @@
           <a:p>
             <a:fld id="{1771A621-C728-4886-904F-8520FED1FC0E}" type="datetimeFigureOut">
               <a:rPr lang="it-CH" smtClean="0"/>
-              <a:t>17.05.2019</a:t>
+              <a:t>22.05.2019</a:t>
             </a:fld>
             <a:endParaRPr lang="it-CH"/>
           </a:p>
@@ -3855,7 +3860,7 @@
           <a:p>
             <a:fld id="{1771A621-C728-4886-904F-8520FED1FC0E}" type="datetimeFigureOut">
               <a:rPr lang="it-CH" smtClean="0"/>
-              <a:t>17.05.2019</a:t>
+              <a:t>22.05.2019</a:t>
             </a:fld>
             <a:endParaRPr lang="it-CH"/>
           </a:p>
@@ -4098,7 +4103,7 @@
           <a:p>
             <a:fld id="{1771A621-C728-4886-904F-8520FED1FC0E}" type="datetimeFigureOut">
               <a:rPr lang="it-CH" smtClean="0"/>
-              <a:t>17.05.2019</a:t>
+              <a:t>22.05.2019</a:t>
             </a:fld>
             <a:endParaRPr lang="it-CH"/>
           </a:p>
@@ -4567,7 +4572,10 @@
           <a:bodyPr/>
           <a:lstStyle/>
           <a:p>
-            <a:endParaRPr lang="it-CH" dirty="0"/>
+            <a:r>
+              <a:rPr lang="it-CH" dirty="0"/>
+              <a:t>Gestione domotica aula by Giulio, Mattia e Paolo</a:t>
+            </a:r>
           </a:p>
         </p:txBody>
       </p:sp>
@@ -4665,7 +4673,25 @@
           <a:p>
             <a:r>
               <a:rPr lang="it-CH" dirty="0"/>
-              <a:t> </a:t>
+              <a:t>Poter gestire le assenze e l’apertura/chiusura della rete</a:t>
+            </a:r>
+          </a:p>
+          <a:p>
+            <a:r>
+              <a:rPr lang="it-CH" dirty="0"/>
+              <a:t>Gestione tende e gestione beamer</a:t>
+            </a:r>
+          </a:p>
+          <a:p>
+            <a:r>
+              <a:rPr lang="it-CH" dirty="0"/>
+              <a:t>ACC-Client con ricerca di un ACC-Server nella rete</a:t>
+            </a:r>
+          </a:p>
+          <a:p>
+            <a:r>
+              <a:rPr lang="it-CH" dirty="0"/>
+              <a:t>Gestione avanzata degli Arduino </a:t>
             </a:r>
           </a:p>
           <a:p>
@@ -5197,7 +5223,7 @@
                 <a:latin typeface="Helvetica" panose="020B0604020202020204" pitchFamily="34" charset="0"/>
                 <a:cs typeface="Helvetica" panose="020B0604020202020204" pitchFamily="34" charset="0"/>
               </a:rPr>
-              <a:t>Web Frontend</a:t>
+              <a:t>Frontend</a:t>
             </a:r>
           </a:p>
         </p:txBody>
@@ -5304,7 +5330,7 @@
                 <a:latin typeface="Helvetica" panose="020B0604020202020204" pitchFamily="34" charset="0"/>
                 <a:cs typeface="Helvetica" panose="020B0604020202020204" pitchFamily="34" charset="0"/>
               </a:rPr>
-              <a:t>Web Backend</a:t>
+              <a:t>Backend</a:t>
             </a:r>
           </a:p>
         </p:txBody>
@@ -5444,7 +5470,19 @@
           <a:p>
             <a:r>
               <a:rPr lang="it-CH" dirty="0"/>
-              <a:t> </a:t>
+              <a:t>Sviluppato con MySql</a:t>
+            </a:r>
+          </a:p>
+          <a:p>
+            <a:r>
+              <a:rPr lang="it-CH" dirty="0"/>
+              <a:t>Struttura Database generale</a:t>
+            </a:r>
+          </a:p>
+          <a:p>
+            <a:r>
+              <a:rPr lang="it-CH" dirty="0"/>
+              <a:t>Query con JDBC  </a:t>
             </a:r>
           </a:p>
           <a:p>

--- a/presentation/domotics presentation.pptx
+++ b/presentation/domotics presentation.pptx
@@ -5,19 +5,24 @@
     <p:sldMasterId id="2147483648" r:id="rId1"/>
   </p:sldMasterIdLst>
   <p:notesMasterIdLst>
-    <p:notesMasterId r:id="rId12"/>
+    <p:notesMasterId r:id="rId17"/>
   </p:notesMasterIdLst>
   <p:sldIdLst>
     <p:sldId id="256" r:id="rId2"/>
     <p:sldId id="257" r:id="rId3"/>
     <p:sldId id="267" r:id="rId4"/>
-    <p:sldId id="259" r:id="rId5"/>
-    <p:sldId id="266" r:id="rId6"/>
-    <p:sldId id="269" r:id="rId7"/>
-    <p:sldId id="268" r:id="rId8"/>
-    <p:sldId id="270" r:id="rId9"/>
+    <p:sldId id="273" r:id="rId5"/>
+    <p:sldId id="259" r:id="rId6"/>
+    <p:sldId id="266" r:id="rId7"/>
+    <p:sldId id="275" r:id="rId8"/>
+    <p:sldId id="274" r:id="rId9"/>
     <p:sldId id="271" r:id="rId10"/>
-    <p:sldId id="272" r:id="rId11"/>
+    <p:sldId id="276" r:id="rId11"/>
+    <p:sldId id="270" r:id="rId12"/>
+    <p:sldId id="269" r:id="rId13"/>
+    <p:sldId id="268" r:id="rId14"/>
+    <p:sldId id="272" r:id="rId15"/>
+    <p:sldId id="277" r:id="rId16"/>
   </p:sldIdLst>
   <p:sldSz cx="12192000" cy="6858000"/>
   <p:notesSz cx="6858000" cy="9144000"/>
@@ -570,6 +575,90 @@
 </p:notes>
 </file>
 
+<file path=ppt/notesSlides/notesSlide10.xml><?xml version="1.0" encoding="utf-8"?>
+<p:notes xmlns:a="http://schemas.openxmlformats.org/drawingml/2006/main" xmlns:r="http://schemas.openxmlformats.org/officeDocument/2006/relationships" xmlns:p="http://schemas.openxmlformats.org/presentationml/2006/main">
+  <p:cSld>
+    <p:spTree>
+      <p:nvGrpSpPr>
+        <p:cNvPr id="1" name=""/>
+        <p:cNvGrpSpPr/>
+        <p:nvPr/>
+      </p:nvGrpSpPr>
+      <p:grpSpPr>
+        <a:xfrm>
+          <a:off x="0" y="0"/>
+          <a:ext cx="0" cy="0"/>
+          <a:chOff x="0" y="0"/>
+          <a:chExt cx="0" cy="0"/>
+        </a:xfrm>
+      </p:grpSpPr>
+      <p:sp>
+        <p:nvSpPr>
+          <p:cNvPr id="2" name="Slide Image Placeholder 1"/>
+          <p:cNvSpPr>
+            <a:spLocks noGrp="1" noRot="1" noChangeAspect="1"/>
+          </p:cNvSpPr>
+          <p:nvPr>
+            <p:ph type="sldImg"/>
+          </p:nvPr>
+        </p:nvSpPr>
+        <p:spPr/>
+      </p:sp>
+      <p:sp>
+        <p:nvSpPr>
+          <p:cNvPr id="3" name="Notes Placeholder 2"/>
+          <p:cNvSpPr>
+            <a:spLocks noGrp="1"/>
+          </p:cNvSpPr>
+          <p:nvPr>
+            <p:ph type="body" idx="1"/>
+          </p:nvPr>
+        </p:nvSpPr>
+        <p:spPr/>
+        <p:txBody>
+          <a:bodyPr/>
+          <a:lstStyle/>
+          <a:p>
+            <a:endParaRPr lang="it-CH" dirty="0"/>
+          </a:p>
+        </p:txBody>
+      </p:sp>
+      <p:sp>
+        <p:nvSpPr>
+          <p:cNvPr id="4" name="Slide Number Placeholder 3"/>
+          <p:cNvSpPr>
+            <a:spLocks noGrp="1"/>
+          </p:cNvSpPr>
+          <p:nvPr>
+            <p:ph type="sldNum" sz="quarter" idx="5"/>
+          </p:nvPr>
+        </p:nvSpPr>
+        <p:spPr/>
+        <p:txBody>
+          <a:bodyPr/>
+          <a:lstStyle/>
+          <a:p>
+            <a:fld id="{41B5BFE6-0C32-4B35-8BDF-B5A014C7FC68}" type="slidenum">
+              <a:rPr lang="it-CH" smtClean="0"/>
+              <a:t>14</a:t>
+            </a:fld>
+            <a:endParaRPr lang="it-CH"/>
+          </a:p>
+        </p:txBody>
+      </p:sp>
+    </p:spTree>
+    <p:extLst>
+      <p:ext uri="{BB962C8B-B14F-4D97-AF65-F5344CB8AC3E}">
+        <p14:creationId xmlns:p14="http://schemas.microsoft.com/office/powerpoint/2010/main" val="3955240797"/>
+      </p:ext>
+    </p:extLst>
+  </p:cSld>
+  <p:clrMapOvr>
+    <a:masterClrMapping/>
+  </p:clrMapOvr>
+</p:notes>
+</file>
+
 <file path=ppt/notesSlides/notesSlide2.xml><?xml version="1.0" encoding="utf-8"?>
 <p:notes xmlns:a="http://schemas.openxmlformats.org/drawingml/2006/main" xmlns:r="http://schemas.openxmlformats.org/officeDocument/2006/relationships" xmlns:p="http://schemas.openxmlformats.org/presentationml/2006/main">
   <p:cSld>
@@ -762,7 +851,7 @@
           <a:p>
             <a:fld id="{41B5BFE6-0C32-4B35-8BDF-B5A014C7FC68}" type="slidenum">
               <a:rPr lang="it-CH" smtClean="0"/>
-              <a:t>4</a:t>
+              <a:t>5</a:t>
             </a:fld>
             <a:endParaRPr lang="it-CH"/>
           </a:p>
@@ -846,7 +935,7 @@
           <a:p>
             <a:fld id="{41B5BFE6-0C32-4B35-8BDF-B5A014C7FC68}" type="slidenum">
               <a:rPr lang="it-CH" smtClean="0"/>
-              <a:t>5</a:t>
+              <a:t>6</a:t>
             </a:fld>
             <a:endParaRPr lang="it-CH"/>
           </a:p>
@@ -930,7 +1019,7 @@
           <a:p>
             <a:fld id="{41B5BFE6-0C32-4B35-8BDF-B5A014C7FC68}" type="slidenum">
               <a:rPr lang="it-CH" smtClean="0"/>
-              <a:t>6</a:t>
+              <a:t>8</a:t>
             </a:fld>
             <a:endParaRPr lang="it-CH"/>
           </a:p>
@@ -939,7 +1028,7 @@
     </p:spTree>
     <p:extLst>
       <p:ext uri="{BB962C8B-B14F-4D97-AF65-F5344CB8AC3E}">
-        <p14:creationId xmlns:p14="http://schemas.microsoft.com/office/powerpoint/2010/main" val="2603366699"/>
+        <p14:creationId xmlns:p14="http://schemas.microsoft.com/office/powerpoint/2010/main" val="3402161656"/>
       </p:ext>
     </p:extLst>
   </p:cSld>
@@ -1014,7 +1103,7 @@
           <a:p>
             <a:fld id="{41B5BFE6-0C32-4B35-8BDF-B5A014C7FC68}" type="slidenum">
               <a:rPr lang="it-CH" smtClean="0"/>
-              <a:t>7</a:t>
+              <a:t>9</a:t>
             </a:fld>
             <a:endParaRPr lang="it-CH"/>
           </a:p>
@@ -1023,7 +1112,7 @@
     </p:spTree>
     <p:extLst>
       <p:ext uri="{BB962C8B-B14F-4D97-AF65-F5344CB8AC3E}">
-        <p14:creationId xmlns:p14="http://schemas.microsoft.com/office/powerpoint/2010/main" val="2367168763"/>
+        <p14:creationId xmlns:p14="http://schemas.microsoft.com/office/powerpoint/2010/main" val="1851314827"/>
       </p:ext>
     </p:extLst>
   </p:cSld>
@@ -1098,7 +1187,7 @@
           <a:p>
             <a:fld id="{41B5BFE6-0C32-4B35-8BDF-B5A014C7FC68}" type="slidenum">
               <a:rPr lang="it-CH" smtClean="0"/>
-              <a:t>8</a:t>
+              <a:t>11</a:t>
             </a:fld>
             <a:endParaRPr lang="it-CH"/>
           </a:p>
@@ -1182,7 +1271,7 @@
           <a:p>
             <a:fld id="{41B5BFE6-0C32-4B35-8BDF-B5A014C7FC68}" type="slidenum">
               <a:rPr lang="it-CH" smtClean="0"/>
-              <a:t>9</a:t>
+              <a:t>12</a:t>
             </a:fld>
             <a:endParaRPr lang="it-CH"/>
           </a:p>
@@ -1191,7 +1280,7 @@
     </p:spTree>
     <p:extLst>
       <p:ext uri="{BB962C8B-B14F-4D97-AF65-F5344CB8AC3E}">
-        <p14:creationId xmlns:p14="http://schemas.microsoft.com/office/powerpoint/2010/main" val="1851314827"/>
+        <p14:creationId xmlns:p14="http://schemas.microsoft.com/office/powerpoint/2010/main" val="2603366699"/>
       </p:ext>
     </p:extLst>
   </p:cSld>
@@ -1266,7 +1355,7 @@
           <a:p>
             <a:fld id="{41B5BFE6-0C32-4B35-8BDF-B5A014C7FC68}" type="slidenum">
               <a:rPr lang="it-CH" smtClean="0"/>
-              <a:t>10</a:t>
+              <a:t>13</a:t>
             </a:fld>
             <a:endParaRPr lang="it-CH"/>
           </a:p>
@@ -1275,7 +1364,7 @@
     </p:spTree>
     <p:extLst>
       <p:ext uri="{BB962C8B-B14F-4D97-AF65-F5344CB8AC3E}">
-        <p14:creationId xmlns:p14="http://schemas.microsoft.com/office/powerpoint/2010/main" val="3955240797"/>
+        <p14:creationId xmlns:p14="http://schemas.microsoft.com/office/powerpoint/2010/main" val="2367168763"/>
       </p:ext>
     </p:extLst>
   </p:cSld>
@@ -4614,7 +4703,7 @@
           <p:cNvPr id="2" name="Title 1">
             <a:extLst>
               <a:ext uri="{FF2B5EF4-FFF2-40B4-BE49-F238E27FC236}">
-                <a16:creationId xmlns:a16="http://schemas.microsoft.com/office/drawing/2014/main" id="{7F41E4F4-73D1-48E9-AFD3-D287D349CFBF}"/>
+                <a16:creationId xmlns:a16="http://schemas.microsoft.com/office/drawing/2014/main" id="{20977145-BD85-4F40-A216-5513618730FA}"/>
               </a:ext>
             </a:extLst>
           </p:cNvPr>
@@ -4632,16 +4721,107 @@
           <a:p>
             <a:pPr algn="ctr"/>
             <a:r>
-              <a:rPr lang="it-CH">
+              <a:rPr lang="it-CH" dirty="0">
                 <a:latin typeface="Helvetica" panose="020B0604020202020204" pitchFamily="34" charset="0"/>
                 <a:cs typeface="Helvetica" panose="020B0604020202020204" pitchFamily="34" charset="0"/>
               </a:rPr>
-              <a:t>Sviluppi Futuri</a:t>
-            </a:r>
-            <a:endParaRPr lang="it-CH" dirty="0">
-              <a:latin typeface="Helvetica" panose="020B0604020202020204" pitchFamily="34" charset="0"/>
-              <a:cs typeface="Helvetica" panose="020B0604020202020204" pitchFamily="34" charset="0"/>
-            </a:endParaRPr>
+              <a:t>ACC-Client</a:t>
+            </a:r>
+          </a:p>
+        </p:txBody>
+      </p:sp>
+      <p:sp>
+        <p:nvSpPr>
+          <p:cNvPr id="3" name="Content Placeholder 2">
+            <a:extLst>
+              <a:ext uri="{FF2B5EF4-FFF2-40B4-BE49-F238E27FC236}">
+                <a16:creationId xmlns:a16="http://schemas.microsoft.com/office/drawing/2014/main" id="{BAD996C7-B7F4-4C68-9EEB-F3D69A2454AA}"/>
+              </a:ext>
+            </a:extLst>
+          </p:cNvPr>
+          <p:cNvSpPr>
+            <a:spLocks noGrp="1"/>
+          </p:cNvSpPr>
+          <p:nvPr>
+            <p:ph idx="1"/>
+          </p:nvPr>
+        </p:nvSpPr>
+        <p:spPr>
+          <a:xfrm>
+            <a:off x="838200" y="2020934"/>
+            <a:ext cx="10515600" cy="4351338"/>
+          </a:xfrm>
+        </p:spPr>
+        <p:txBody>
+          <a:bodyPr/>
+          <a:lstStyle/>
+          <a:p>
+            <a:r>
+              <a:rPr lang="it-CH" dirty="0"/>
+              <a:t> </a:t>
+            </a:r>
+          </a:p>
+        </p:txBody>
+      </p:sp>
+    </p:spTree>
+    <p:extLst>
+      <p:ext uri="{BB962C8B-B14F-4D97-AF65-F5344CB8AC3E}">
+        <p14:creationId xmlns:p14="http://schemas.microsoft.com/office/powerpoint/2010/main" val="31546285"/>
+      </p:ext>
+    </p:extLst>
+  </p:cSld>
+  <p:clrMapOvr>
+    <a:masterClrMapping/>
+  </p:clrMapOvr>
+</p:sld>
+</file>
+
+<file path=ppt/slides/slide11.xml><?xml version="1.0" encoding="utf-8"?>
+<p:sld xmlns:a="http://schemas.openxmlformats.org/drawingml/2006/main" xmlns:r="http://schemas.openxmlformats.org/officeDocument/2006/relationships" xmlns:p="http://schemas.openxmlformats.org/presentationml/2006/main">
+  <p:cSld>
+    <p:spTree>
+      <p:nvGrpSpPr>
+        <p:cNvPr id="1" name=""/>
+        <p:cNvGrpSpPr/>
+        <p:nvPr/>
+      </p:nvGrpSpPr>
+      <p:grpSpPr>
+        <a:xfrm>
+          <a:off x="0" y="0"/>
+          <a:ext cx="0" cy="0"/>
+          <a:chOff x="0" y="0"/>
+          <a:chExt cx="0" cy="0"/>
+        </a:xfrm>
+      </p:grpSpPr>
+      <p:sp>
+        <p:nvSpPr>
+          <p:cNvPr id="2" name="Title 1">
+            <a:extLst>
+              <a:ext uri="{FF2B5EF4-FFF2-40B4-BE49-F238E27FC236}">
+                <a16:creationId xmlns:a16="http://schemas.microsoft.com/office/drawing/2014/main" id="{7F41E4F4-73D1-48E9-AFD3-D287D349CFBF}"/>
+              </a:ext>
+            </a:extLst>
+          </p:cNvPr>
+          <p:cNvSpPr>
+            <a:spLocks noGrp="1"/>
+          </p:cNvSpPr>
+          <p:nvPr>
+            <p:ph type="title"/>
+          </p:nvPr>
+        </p:nvSpPr>
+        <p:spPr/>
+        <p:txBody>
+          <a:bodyPr/>
+          <a:lstStyle/>
+          <a:p>
+            <a:pPr algn="ctr"/>
+            <a:r>
+              <a:rPr lang="it-CH" dirty="0">
+                <a:latin typeface="Helvetica" panose="020B0604020202020204" pitchFamily="34" charset="0"/>
+                <a:cs typeface="Helvetica" panose="020B0604020202020204" pitchFamily="34" charset="0"/>
+              </a:rPr>
+              <a:t>Database e JDBC</a:t>
+            </a:r>
           </a:p>
         </p:txBody>
       </p:sp>
@@ -4673,6 +4853,379 @@
           <a:p>
             <a:r>
               <a:rPr lang="it-CH" dirty="0"/>
+              <a:t>Sviluppato con MySql</a:t>
+            </a:r>
+          </a:p>
+          <a:p>
+            <a:r>
+              <a:rPr lang="it-CH" dirty="0"/>
+              <a:t>Struttura Database generale</a:t>
+            </a:r>
+          </a:p>
+          <a:p>
+            <a:r>
+              <a:rPr lang="it-CH" dirty="0"/>
+              <a:t>Query con JDBC  </a:t>
+            </a:r>
+          </a:p>
+          <a:p>
+            <a:endParaRPr lang="it-CH" dirty="0"/>
+          </a:p>
+          <a:p>
+            <a:endParaRPr lang="it-CH" dirty="0"/>
+          </a:p>
+          <a:p>
+            <a:endParaRPr lang="it-CH" dirty="0"/>
+          </a:p>
+          <a:p>
+            <a:endParaRPr lang="it-CH" dirty="0"/>
+          </a:p>
+        </p:txBody>
+      </p:sp>
+      <p:pic>
+        <p:nvPicPr>
+          <p:cNvPr id="5" name="Picture 4">
+            <a:extLst>
+              <a:ext uri="{FF2B5EF4-FFF2-40B4-BE49-F238E27FC236}">
+                <a16:creationId xmlns:a16="http://schemas.microsoft.com/office/drawing/2014/main" id="{AF1585D0-A3FB-4730-B659-3B11593C1A34}"/>
+              </a:ext>
+            </a:extLst>
+          </p:cNvPr>
+          <p:cNvPicPr>
+            <a:picLocks noChangeAspect="1"/>
+          </p:cNvPicPr>
+          <p:nvPr/>
+        </p:nvPicPr>
+        <p:blipFill>
+          <a:blip r:embed="rId3">
+            <a:extLst>
+              <a:ext uri="{28A0092B-C50C-407E-A947-70E740481C1C}">
+                <a14:useLocalDpi xmlns:a14="http://schemas.microsoft.com/office/drawing/2010/main" val="0"/>
+              </a:ext>
+            </a:extLst>
+          </a:blip>
+          <a:stretch>
+            <a:fillRect/>
+          </a:stretch>
+        </p:blipFill>
+        <p:spPr>
+          <a:xfrm>
+            <a:off x="5424256" y="1959511"/>
+            <a:ext cx="6251753" cy="4217452"/>
+          </a:xfrm>
+          <a:prstGeom prst="rect">
+            <a:avLst/>
+          </a:prstGeom>
+        </p:spPr>
+      </p:pic>
+    </p:spTree>
+    <p:extLst>
+      <p:ext uri="{BB962C8B-B14F-4D97-AF65-F5344CB8AC3E}">
+        <p14:creationId xmlns:p14="http://schemas.microsoft.com/office/powerpoint/2010/main" val="3616657600"/>
+      </p:ext>
+    </p:extLst>
+  </p:cSld>
+  <p:clrMapOvr>
+    <a:masterClrMapping/>
+  </p:clrMapOvr>
+</p:sld>
+</file>
+
+<file path=ppt/slides/slide12.xml><?xml version="1.0" encoding="utf-8"?>
+<p:sld xmlns:a="http://schemas.openxmlformats.org/drawingml/2006/main" xmlns:r="http://schemas.openxmlformats.org/officeDocument/2006/relationships" xmlns:p="http://schemas.openxmlformats.org/presentationml/2006/main">
+  <p:cSld>
+    <p:spTree>
+      <p:nvGrpSpPr>
+        <p:cNvPr id="1" name=""/>
+        <p:cNvGrpSpPr/>
+        <p:nvPr/>
+      </p:nvGrpSpPr>
+      <p:grpSpPr>
+        <a:xfrm>
+          <a:off x="0" y="0"/>
+          <a:ext cx="0" cy="0"/>
+          <a:chOff x="0" y="0"/>
+          <a:chExt cx="0" cy="0"/>
+        </a:xfrm>
+      </p:grpSpPr>
+      <p:sp>
+        <p:nvSpPr>
+          <p:cNvPr id="2" name="Title 1">
+            <a:extLst>
+              <a:ext uri="{FF2B5EF4-FFF2-40B4-BE49-F238E27FC236}">
+                <a16:creationId xmlns:a16="http://schemas.microsoft.com/office/drawing/2014/main" id="{7F41E4F4-73D1-48E9-AFD3-D287D349CFBF}"/>
+              </a:ext>
+            </a:extLst>
+          </p:cNvPr>
+          <p:cNvSpPr>
+            <a:spLocks noGrp="1"/>
+          </p:cNvSpPr>
+          <p:nvPr>
+            <p:ph type="title"/>
+          </p:nvPr>
+        </p:nvSpPr>
+        <p:spPr/>
+        <p:txBody>
+          <a:bodyPr/>
+          <a:lstStyle/>
+          <a:p>
+            <a:pPr algn="ctr"/>
+            <a:r>
+              <a:rPr lang="it-CH" dirty="0">
+                <a:latin typeface="Helvetica" panose="020B0604020202020204" pitchFamily="34" charset="0"/>
+                <a:cs typeface="Helvetica" panose="020B0604020202020204" pitchFamily="34" charset="0"/>
+              </a:rPr>
+              <a:t>Frontend</a:t>
+            </a:r>
+          </a:p>
+        </p:txBody>
+      </p:sp>
+      <p:sp>
+        <p:nvSpPr>
+          <p:cNvPr id="3" name="Content Placeholder 2">
+            <a:extLst>
+              <a:ext uri="{FF2B5EF4-FFF2-40B4-BE49-F238E27FC236}">
+                <a16:creationId xmlns:a16="http://schemas.microsoft.com/office/drawing/2014/main" id="{CEAD64F6-9F54-4194-94B8-A5D6727B3EC4}"/>
+              </a:ext>
+            </a:extLst>
+          </p:cNvPr>
+          <p:cNvSpPr>
+            <a:spLocks noGrp="1"/>
+          </p:cNvSpPr>
+          <p:nvPr>
+            <p:ph idx="1"/>
+          </p:nvPr>
+        </p:nvSpPr>
+        <p:spPr>
+          <a:xfrm>
+            <a:off x="838200" y="2024109"/>
+            <a:ext cx="10515600" cy="4152854"/>
+          </a:xfrm>
+        </p:spPr>
+        <p:txBody>
+          <a:bodyPr/>
+          <a:lstStyle/>
+          <a:p>
+            <a:r>
+              <a:rPr lang="it-CH" dirty="0"/>
+              <a:t> </a:t>
+            </a:r>
+          </a:p>
+          <a:p>
+            <a:endParaRPr lang="it-CH" dirty="0"/>
+          </a:p>
+          <a:p>
+            <a:endParaRPr lang="it-CH" dirty="0"/>
+          </a:p>
+          <a:p>
+            <a:endParaRPr lang="it-CH" dirty="0"/>
+          </a:p>
+          <a:p>
+            <a:endParaRPr lang="it-CH" dirty="0"/>
+          </a:p>
+        </p:txBody>
+      </p:sp>
+    </p:spTree>
+    <p:extLst>
+      <p:ext uri="{BB962C8B-B14F-4D97-AF65-F5344CB8AC3E}">
+        <p14:creationId xmlns:p14="http://schemas.microsoft.com/office/powerpoint/2010/main" val="1766738239"/>
+      </p:ext>
+    </p:extLst>
+  </p:cSld>
+  <p:clrMapOvr>
+    <a:masterClrMapping/>
+  </p:clrMapOvr>
+</p:sld>
+</file>
+
+<file path=ppt/slides/slide13.xml><?xml version="1.0" encoding="utf-8"?>
+<p:sld xmlns:a="http://schemas.openxmlformats.org/drawingml/2006/main" xmlns:r="http://schemas.openxmlformats.org/officeDocument/2006/relationships" xmlns:p="http://schemas.openxmlformats.org/presentationml/2006/main">
+  <p:cSld>
+    <p:spTree>
+      <p:nvGrpSpPr>
+        <p:cNvPr id="1" name=""/>
+        <p:cNvGrpSpPr/>
+        <p:nvPr/>
+      </p:nvGrpSpPr>
+      <p:grpSpPr>
+        <a:xfrm>
+          <a:off x="0" y="0"/>
+          <a:ext cx="0" cy="0"/>
+          <a:chOff x="0" y="0"/>
+          <a:chExt cx="0" cy="0"/>
+        </a:xfrm>
+      </p:grpSpPr>
+      <p:sp>
+        <p:nvSpPr>
+          <p:cNvPr id="2" name="Title 1">
+            <a:extLst>
+              <a:ext uri="{FF2B5EF4-FFF2-40B4-BE49-F238E27FC236}">
+                <a16:creationId xmlns:a16="http://schemas.microsoft.com/office/drawing/2014/main" id="{7F41E4F4-73D1-48E9-AFD3-D287D349CFBF}"/>
+              </a:ext>
+            </a:extLst>
+          </p:cNvPr>
+          <p:cNvSpPr>
+            <a:spLocks noGrp="1"/>
+          </p:cNvSpPr>
+          <p:nvPr>
+            <p:ph type="title"/>
+          </p:nvPr>
+        </p:nvSpPr>
+        <p:spPr/>
+        <p:txBody>
+          <a:bodyPr/>
+          <a:lstStyle/>
+          <a:p>
+            <a:pPr algn="ctr"/>
+            <a:r>
+              <a:rPr lang="it-CH" dirty="0">
+                <a:latin typeface="Helvetica" panose="020B0604020202020204" pitchFamily="34" charset="0"/>
+                <a:cs typeface="Helvetica" panose="020B0604020202020204" pitchFamily="34" charset="0"/>
+              </a:rPr>
+              <a:t>Backend</a:t>
+            </a:r>
+          </a:p>
+        </p:txBody>
+      </p:sp>
+      <p:sp>
+        <p:nvSpPr>
+          <p:cNvPr id="3" name="Content Placeholder 2">
+            <a:extLst>
+              <a:ext uri="{FF2B5EF4-FFF2-40B4-BE49-F238E27FC236}">
+                <a16:creationId xmlns:a16="http://schemas.microsoft.com/office/drawing/2014/main" id="{CEAD64F6-9F54-4194-94B8-A5D6727B3EC4}"/>
+              </a:ext>
+            </a:extLst>
+          </p:cNvPr>
+          <p:cNvSpPr>
+            <a:spLocks noGrp="1"/>
+          </p:cNvSpPr>
+          <p:nvPr>
+            <p:ph idx="1"/>
+          </p:nvPr>
+        </p:nvSpPr>
+        <p:spPr>
+          <a:xfrm>
+            <a:off x="838200" y="2024109"/>
+            <a:ext cx="10515600" cy="4152854"/>
+          </a:xfrm>
+        </p:spPr>
+        <p:txBody>
+          <a:bodyPr/>
+          <a:lstStyle/>
+          <a:p>
+            <a:r>
+              <a:rPr lang="it-CH" dirty="0"/>
+              <a:t> </a:t>
+            </a:r>
+          </a:p>
+          <a:p>
+            <a:endParaRPr lang="it-CH" dirty="0"/>
+          </a:p>
+          <a:p>
+            <a:endParaRPr lang="it-CH" dirty="0"/>
+          </a:p>
+          <a:p>
+            <a:endParaRPr lang="it-CH" dirty="0"/>
+          </a:p>
+          <a:p>
+            <a:endParaRPr lang="it-CH" dirty="0"/>
+          </a:p>
+        </p:txBody>
+      </p:sp>
+    </p:spTree>
+    <p:extLst>
+      <p:ext uri="{BB962C8B-B14F-4D97-AF65-F5344CB8AC3E}">
+        <p14:creationId xmlns:p14="http://schemas.microsoft.com/office/powerpoint/2010/main" val="3092511657"/>
+      </p:ext>
+    </p:extLst>
+  </p:cSld>
+  <p:clrMapOvr>
+    <a:masterClrMapping/>
+  </p:clrMapOvr>
+</p:sld>
+</file>
+
+<file path=ppt/slides/slide14.xml><?xml version="1.0" encoding="utf-8"?>
+<p:sld xmlns:a="http://schemas.openxmlformats.org/drawingml/2006/main" xmlns:r="http://schemas.openxmlformats.org/officeDocument/2006/relationships" xmlns:p="http://schemas.openxmlformats.org/presentationml/2006/main">
+  <p:cSld>
+    <p:spTree>
+      <p:nvGrpSpPr>
+        <p:cNvPr id="1" name=""/>
+        <p:cNvGrpSpPr/>
+        <p:nvPr/>
+      </p:nvGrpSpPr>
+      <p:grpSpPr>
+        <a:xfrm>
+          <a:off x="0" y="0"/>
+          <a:ext cx="0" cy="0"/>
+          <a:chOff x="0" y="0"/>
+          <a:chExt cx="0" cy="0"/>
+        </a:xfrm>
+      </p:grpSpPr>
+      <p:sp>
+        <p:nvSpPr>
+          <p:cNvPr id="2" name="Title 1">
+            <a:extLst>
+              <a:ext uri="{FF2B5EF4-FFF2-40B4-BE49-F238E27FC236}">
+                <a16:creationId xmlns:a16="http://schemas.microsoft.com/office/drawing/2014/main" id="{7F41E4F4-73D1-48E9-AFD3-D287D349CFBF}"/>
+              </a:ext>
+            </a:extLst>
+          </p:cNvPr>
+          <p:cNvSpPr>
+            <a:spLocks noGrp="1"/>
+          </p:cNvSpPr>
+          <p:nvPr>
+            <p:ph type="title"/>
+          </p:nvPr>
+        </p:nvSpPr>
+        <p:spPr/>
+        <p:txBody>
+          <a:bodyPr/>
+          <a:lstStyle/>
+          <a:p>
+            <a:pPr algn="ctr"/>
+            <a:r>
+              <a:rPr lang="it-CH">
+                <a:latin typeface="Helvetica" panose="020B0604020202020204" pitchFamily="34" charset="0"/>
+                <a:cs typeface="Helvetica" panose="020B0604020202020204" pitchFamily="34" charset="0"/>
+              </a:rPr>
+              <a:t>Sviluppi Futuri</a:t>
+            </a:r>
+            <a:endParaRPr lang="it-CH" dirty="0">
+              <a:latin typeface="Helvetica" panose="020B0604020202020204" pitchFamily="34" charset="0"/>
+              <a:cs typeface="Helvetica" panose="020B0604020202020204" pitchFamily="34" charset="0"/>
+            </a:endParaRPr>
+          </a:p>
+        </p:txBody>
+      </p:sp>
+      <p:sp>
+        <p:nvSpPr>
+          <p:cNvPr id="3" name="Content Placeholder 2">
+            <a:extLst>
+              <a:ext uri="{FF2B5EF4-FFF2-40B4-BE49-F238E27FC236}">
+                <a16:creationId xmlns:a16="http://schemas.microsoft.com/office/drawing/2014/main" id="{CEAD64F6-9F54-4194-94B8-A5D6727B3EC4}"/>
+              </a:ext>
+            </a:extLst>
+          </p:cNvPr>
+          <p:cNvSpPr>
+            <a:spLocks noGrp="1"/>
+          </p:cNvSpPr>
+          <p:nvPr>
+            <p:ph idx="1"/>
+          </p:nvPr>
+        </p:nvSpPr>
+        <p:spPr>
+          <a:xfrm>
+            <a:off x="838200" y="2024109"/>
+            <a:ext cx="10515600" cy="4152854"/>
+          </a:xfrm>
+        </p:spPr>
+        <p:txBody>
+          <a:bodyPr/>
+          <a:lstStyle/>
+          <a:p>
+            <a:r>
+              <a:rPr lang="it-CH" dirty="0"/>
               <a:t>Poter gestire le assenze e l’apertura/chiusura della rete</a:t>
             </a:r>
           </a:p>
@@ -4712,6 +5265,92 @@
     <p:extLst>
       <p:ext uri="{BB962C8B-B14F-4D97-AF65-F5344CB8AC3E}">
         <p14:creationId xmlns:p14="http://schemas.microsoft.com/office/powerpoint/2010/main" val="1763366233"/>
+      </p:ext>
+    </p:extLst>
+  </p:cSld>
+  <p:clrMapOvr>
+    <a:masterClrMapping/>
+  </p:clrMapOvr>
+</p:sld>
+</file>
+
+<file path=ppt/slides/slide15.xml><?xml version="1.0" encoding="utf-8"?>
+<p:sld xmlns:a="http://schemas.openxmlformats.org/drawingml/2006/main" xmlns:r="http://schemas.openxmlformats.org/officeDocument/2006/relationships" xmlns:p="http://schemas.openxmlformats.org/presentationml/2006/main">
+  <p:cSld>
+    <p:spTree>
+      <p:nvGrpSpPr>
+        <p:cNvPr id="1" name=""/>
+        <p:cNvGrpSpPr/>
+        <p:nvPr/>
+      </p:nvGrpSpPr>
+      <p:grpSpPr>
+        <a:xfrm>
+          <a:off x="0" y="0"/>
+          <a:ext cx="0" cy="0"/>
+          <a:chOff x="0" y="0"/>
+          <a:chExt cx="0" cy="0"/>
+        </a:xfrm>
+      </p:grpSpPr>
+      <p:sp>
+        <p:nvSpPr>
+          <p:cNvPr id="2" name="Title 1">
+            <a:extLst>
+              <a:ext uri="{FF2B5EF4-FFF2-40B4-BE49-F238E27FC236}">
+                <a16:creationId xmlns:a16="http://schemas.microsoft.com/office/drawing/2014/main" id="{282365D5-D1C6-452E-A0CF-688206AB4276}"/>
+              </a:ext>
+            </a:extLst>
+          </p:cNvPr>
+          <p:cNvSpPr>
+            <a:spLocks noGrp="1"/>
+          </p:cNvSpPr>
+          <p:nvPr>
+            <p:ph type="ctrTitle"/>
+          </p:nvPr>
+        </p:nvSpPr>
+        <p:spPr/>
+        <p:txBody>
+          <a:bodyPr/>
+          <a:lstStyle/>
+          <a:p>
+            <a:r>
+              <a:rPr lang="it-CH" dirty="0">
+                <a:latin typeface="Helvetica" panose="020B0604020202020204" pitchFamily="34" charset="0"/>
+                <a:cs typeface="Helvetica" panose="020B0604020202020204" pitchFamily="34" charset="0"/>
+              </a:rPr>
+              <a:t>CONCLUSIONI</a:t>
+            </a:r>
+          </a:p>
+        </p:txBody>
+      </p:sp>
+      <p:sp>
+        <p:nvSpPr>
+          <p:cNvPr id="3" name="Subtitle 2">
+            <a:extLst>
+              <a:ext uri="{FF2B5EF4-FFF2-40B4-BE49-F238E27FC236}">
+                <a16:creationId xmlns:a16="http://schemas.microsoft.com/office/drawing/2014/main" id="{92108D7B-A5D9-456A-A560-5EC3FE2D0AFA}"/>
+              </a:ext>
+            </a:extLst>
+          </p:cNvPr>
+          <p:cNvSpPr>
+            <a:spLocks noGrp="1"/>
+          </p:cNvSpPr>
+          <p:nvPr>
+            <p:ph type="subTitle" idx="1"/>
+          </p:nvPr>
+        </p:nvSpPr>
+        <p:spPr/>
+        <p:txBody>
+          <a:bodyPr/>
+          <a:lstStyle/>
+          <a:p>
+            <a:endParaRPr lang="it-CH" dirty="0"/>
+          </a:p>
+        </p:txBody>
+      </p:sp>
+    </p:spTree>
+    <p:extLst>
+      <p:ext uri="{BB962C8B-B14F-4D97-AF65-F5344CB8AC3E}">
+        <p14:creationId xmlns:p14="http://schemas.microsoft.com/office/powerpoint/2010/main" val="1065857853"/>
       </p:ext>
     </p:extLst>
   </p:cSld>
@@ -4798,14 +5437,23 @@
           <a:p>
             <a:r>
               <a:rPr lang="it-CH" dirty="0"/>
-              <a:t>Pulsanti delle luci distanti e scomode da usare.</a:t>
+              <a:t>Interruttori luci scomodi</a:t>
             </a:r>
           </a:p>
           <a:p>
             <a:r>
               <a:rPr lang="it-CH" dirty="0"/>
-              <a:t>Risolviamo il problema creando la domotica dell’aula.</a:t>
-            </a:r>
+              <a:t>Tende manuali</a:t>
+            </a:r>
+          </a:p>
+          <a:p>
+            <a:r>
+              <a:rPr lang="it-CH" dirty="0"/>
+              <a:t>Telecomando beamer</a:t>
+            </a:r>
+          </a:p>
+          <a:p>
+            <a:endParaRPr lang="it-CH" dirty="0"/>
           </a:p>
           <a:p>
             <a:endParaRPr lang="it-CH" dirty="0"/>
@@ -4878,7 +5526,7 @@
                 <a:latin typeface="Helvetica" panose="020B0604020202020204" pitchFamily="34" charset="0"/>
                 <a:cs typeface="Helvetica" panose="020B0604020202020204" pitchFamily="34" charset="0"/>
               </a:rPr>
-              <a:t>Obiettivi</a:t>
+              <a:t>Cos’è la domotica</a:t>
             </a:r>
           </a:p>
         </p:txBody>
@@ -4911,7 +5559,19 @@
           <a:p>
             <a:r>
               <a:rPr lang="it-CH" dirty="0"/>
-              <a:t> </a:t>
+              <a:t>Gestione aule da remoto</a:t>
+            </a:r>
+          </a:p>
+          <a:p>
+            <a:r>
+              <a:rPr lang="it-CH" dirty="0"/>
+              <a:t>Gestire luci, tende e beamer</a:t>
+            </a:r>
+          </a:p>
+          <a:p>
+            <a:r>
+              <a:rPr lang="it-CH" dirty="0"/>
+              <a:t>Accesso limitato</a:t>
             </a:r>
           </a:p>
           <a:p>
@@ -4963,7 +5623,7 @@
           <p:cNvPr id="2" name="Title 1">
             <a:extLst>
               <a:ext uri="{FF2B5EF4-FFF2-40B4-BE49-F238E27FC236}">
-                <a16:creationId xmlns:a16="http://schemas.microsoft.com/office/drawing/2014/main" id="{7F41E4F4-73D1-48E9-AFD3-D287D349CFBF}"/>
+                <a16:creationId xmlns:a16="http://schemas.microsoft.com/office/drawing/2014/main" id="{45A440B7-F453-489C-B434-7603DFB2E50E}"/>
               </a:ext>
             </a:extLst>
           </p:cNvPr>
@@ -4979,90 +5639,49 @@
           <a:bodyPr/>
           <a:lstStyle/>
           <a:p>
-            <a:pPr algn="ctr"/>
-            <a:r>
-              <a:rPr lang="it-CH" dirty="0">
-                <a:latin typeface="Helvetica" panose="020B0604020202020204" pitchFamily="34" charset="0"/>
-                <a:cs typeface="Helvetica" panose="020B0604020202020204" pitchFamily="34" charset="0"/>
-              </a:rPr>
-              <a:t>Progettazione</a:t>
-            </a:r>
-          </a:p>
-        </p:txBody>
-      </p:sp>
-      <p:sp>
-        <p:nvSpPr>
-          <p:cNvPr id="3" name="Content Placeholder 2">
-            <a:extLst>
-              <a:ext uri="{FF2B5EF4-FFF2-40B4-BE49-F238E27FC236}">
-                <a16:creationId xmlns:a16="http://schemas.microsoft.com/office/drawing/2014/main" id="{CEAD64F6-9F54-4194-94B8-A5D6727B3EC4}"/>
-              </a:ext>
-            </a:extLst>
-          </p:cNvPr>
-          <p:cNvSpPr>
-            <a:spLocks noGrp="1"/>
-          </p:cNvSpPr>
+            <a:endParaRPr lang="it-CH"/>
+          </a:p>
+        </p:txBody>
+      </p:sp>
+      <p:pic>
+        <p:nvPicPr>
+          <p:cNvPr id="5" name="Content Placeholder 4">
+            <a:extLst>
+              <a:ext uri="{FF2B5EF4-FFF2-40B4-BE49-F238E27FC236}">
+                <a16:creationId xmlns:a16="http://schemas.microsoft.com/office/drawing/2014/main" id="{F1A9D332-BA11-4E84-A087-0E6508586A3E}"/>
+              </a:ext>
+            </a:extLst>
+          </p:cNvPr>
+          <p:cNvPicPr>
+            <a:picLocks noGrp="1" noChangeAspect="1"/>
+          </p:cNvPicPr>
           <p:nvPr>
             <p:ph idx="1"/>
           </p:nvPr>
-        </p:nvSpPr>
+        </p:nvPicPr>
+        <p:blipFill>
+          <a:blip r:embed="rId2">
+            <a:extLst>
+              <a:ext uri="{28A0092B-C50C-407E-A947-70E740481C1C}">
+                <a14:useLocalDpi xmlns:a14="http://schemas.microsoft.com/office/drawing/2010/main" val="0"/>
+              </a:ext>
+            </a:extLst>
+          </a:blip>
+          <a:stretch>
+            <a:fillRect/>
+          </a:stretch>
+        </p:blipFill>
         <p:spPr>
           <a:xfrm>
-            <a:off x="838200" y="2024109"/>
-            <a:ext cx="10515600" cy="4152854"/>
+            <a:off x="68239" y="257453"/>
+            <a:ext cx="12055521" cy="6235422"/>
           </a:xfrm>
         </p:spPr>
-        <p:txBody>
-          <a:bodyPr/>
-          <a:lstStyle/>
-          <a:p>
-            <a:r>
-              <a:rPr lang="it-CH" dirty="0"/>
-              <a:t>Comunicazione LDAP </a:t>
-            </a:r>
-          </a:p>
-          <a:p>
-            <a:r>
-              <a:rPr lang="it-CH" dirty="0"/>
-              <a:t>Arduino Yún </a:t>
-            </a:r>
-          </a:p>
-          <a:p>
-            <a:r>
-              <a:rPr lang="it-CH" dirty="0"/>
-              <a:t>Comunicazione Arduino &lt;-&gt; Web Server</a:t>
-            </a:r>
-          </a:p>
-          <a:p>
-            <a:r>
-              <a:rPr lang="it-CH" dirty="0"/>
-              <a:t>Database e JDBC</a:t>
-            </a:r>
-          </a:p>
-          <a:p>
-            <a:endParaRPr lang="it-CH" dirty="0"/>
-          </a:p>
-          <a:p>
-            <a:endParaRPr lang="it-CH" dirty="0"/>
-          </a:p>
-          <a:p>
-            <a:endParaRPr lang="it-CH" dirty="0"/>
-          </a:p>
-          <a:p>
-            <a:endParaRPr lang="it-CH" dirty="0"/>
-          </a:p>
-          <a:p>
-            <a:endParaRPr lang="it-CH" dirty="0"/>
-          </a:p>
-          <a:p>
-            <a:endParaRPr lang="it-CH" dirty="0"/>
-          </a:p>
-        </p:txBody>
-      </p:sp>
+      </p:pic>
     </p:spTree>
     <p:extLst>
       <p:ext uri="{BB962C8B-B14F-4D97-AF65-F5344CB8AC3E}">
-        <p14:creationId xmlns:p14="http://schemas.microsoft.com/office/powerpoint/2010/main" val="4105106668"/>
+        <p14:creationId xmlns:p14="http://schemas.microsoft.com/office/powerpoint/2010/main" val="4216114935"/>
       </p:ext>
     </p:extLst>
   </p:cSld>
@@ -5116,7 +5735,7 @@
                 <a:latin typeface="Helvetica" panose="020B0604020202020204" pitchFamily="34" charset="0"/>
                 <a:cs typeface="Helvetica" panose="020B0604020202020204" pitchFamily="34" charset="0"/>
               </a:rPr>
-              <a:t>Design</a:t>
+              <a:t>Progettazione</a:t>
             </a:r>
           </a:p>
         </p:txBody>
@@ -5149,8 +5768,32 @@
           <a:p>
             <a:r>
               <a:rPr lang="it-CH" dirty="0"/>
-              <a:t> </a:t>
-            </a:r>
+              <a:t>Comunicazione LDAP </a:t>
+            </a:r>
+          </a:p>
+          <a:p>
+            <a:r>
+              <a:rPr lang="it-CH" dirty="0"/>
+              <a:t>Arduino Yún </a:t>
+            </a:r>
+          </a:p>
+          <a:p>
+            <a:r>
+              <a:rPr lang="it-CH" dirty="0"/>
+              <a:t>Comunicazione Arduino &lt;-&gt; Web Server</a:t>
+            </a:r>
+          </a:p>
+          <a:p>
+            <a:r>
+              <a:rPr lang="it-CH" dirty="0"/>
+              <a:t>Database e JDBC</a:t>
+            </a:r>
+          </a:p>
+          <a:p>
+            <a:endParaRPr lang="it-CH" dirty="0"/>
+          </a:p>
+          <a:p>
+            <a:endParaRPr lang="it-CH" dirty="0"/>
           </a:p>
           <a:p>
             <a:endParaRPr lang="it-CH" dirty="0"/>
@@ -5169,7 +5812,7 @@
     </p:spTree>
     <p:extLst>
       <p:ext uri="{BB962C8B-B14F-4D97-AF65-F5344CB8AC3E}">
-        <p14:creationId xmlns:p14="http://schemas.microsoft.com/office/powerpoint/2010/main" val="3361441536"/>
+        <p14:creationId xmlns:p14="http://schemas.microsoft.com/office/powerpoint/2010/main" val="4105106668"/>
       </p:ext>
     </p:extLst>
   </p:cSld>
@@ -5223,7 +5866,7 @@
                 <a:latin typeface="Helvetica" panose="020B0604020202020204" pitchFamily="34" charset="0"/>
                 <a:cs typeface="Helvetica" panose="020B0604020202020204" pitchFamily="34" charset="0"/>
               </a:rPr>
-              <a:t>Frontend</a:t>
+              <a:t>Design</a:t>
             </a:r>
           </a:p>
         </p:txBody>
@@ -5256,6 +5899,15 @@
           <a:p>
             <a:r>
               <a:rPr lang="it-CH" dirty="0"/>
+              <a:t>Design semplice e comodo da usare</a:t>
+            </a:r>
+          </a:p>
+          <a:p>
+            <a:pPr marL="0" indent="0">
+              <a:buNone/>
+            </a:pPr>
+            <a:r>
+              <a:rPr lang="it-CH" dirty="0"/>
               <a:t> </a:t>
             </a:r>
           </a:p>
@@ -5273,10 +5925,82 @@
           </a:p>
         </p:txBody>
       </p:sp>
+      <p:pic>
+        <p:nvPicPr>
+          <p:cNvPr id="5" name="Picture 4">
+            <a:extLst>
+              <a:ext uri="{FF2B5EF4-FFF2-40B4-BE49-F238E27FC236}">
+                <a16:creationId xmlns:a16="http://schemas.microsoft.com/office/drawing/2014/main" id="{842DECC5-6781-4F51-8D81-E58311830E58}"/>
+              </a:ext>
+            </a:extLst>
+          </p:cNvPr>
+          <p:cNvPicPr>
+            <a:picLocks noChangeAspect="1"/>
+          </p:cNvPicPr>
+          <p:nvPr/>
+        </p:nvPicPr>
+        <p:blipFill>
+          <a:blip r:embed="rId3">
+            <a:extLst>
+              <a:ext uri="{28A0092B-C50C-407E-A947-70E740481C1C}">
+                <a14:useLocalDpi xmlns:a14="http://schemas.microsoft.com/office/drawing/2010/main" val="0"/>
+              </a:ext>
+            </a:extLst>
+          </a:blip>
+          <a:stretch>
+            <a:fillRect/>
+          </a:stretch>
+        </p:blipFill>
+        <p:spPr>
+          <a:xfrm>
+            <a:off x="6217949" y="2538755"/>
+            <a:ext cx="5584045" cy="3125399"/>
+          </a:xfrm>
+          <a:prstGeom prst="rect">
+            <a:avLst/>
+          </a:prstGeom>
+        </p:spPr>
+      </p:pic>
+      <p:pic>
+        <p:nvPicPr>
+          <p:cNvPr id="7" name="Picture 6">
+            <a:extLst>
+              <a:ext uri="{FF2B5EF4-FFF2-40B4-BE49-F238E27FC236}">
+                <a16:creationId xmlns:a16="http://schemas.microsoft.com/office/drawing/2014/main" id="{5D64D836-2E25-4B7C-AA77-FA09974688DF}"/>
+              </a:ext>
+            </a:extLst>
+          </p:cNvPr>
+          <p:cNvPicPr>
+            <a:picLocks noChangeAspect="1"/>
+          </p:cNvPicPr>
+          <p:nvPr/>
+        </p:nvPicPr>
+        <p:blipFill>
+          <a:blip r:embed="rId4">
+            <a:extLst>
+              <a:ext uri="{28A0092B-C50C-407E-A947-70E740481C1C}">
+                <a14:useLocalDpi xmlns:a14="http://schemas.microsoft.com/office/drawing/2010/main" val="0"/>
+              </a:ext>
+            </a:extLst>
+          </a:blip>
+          <a:stretch>
+            <a:fillRect/>
+          </a:stretch>
+        </p:blipFill>
+        <p:spPr>
+          <a:xfrm>
+            <a:off x="511955" y="2538755"/>
+            <a:ext cx="5584045" cy="3123562"/>
+          </a:xfrm>
+          <a:prstGeom prst="rect">
+            <a:avLst/>
+          </a:prstGeom>
+        </p:spPr>
+      </p:pic>
     </p:spTree>
     <p:extLst>
       <p:ext uri="{BB962C8B-B14F-4D97-AF65-F5344CB8AC3E}">
-        <p14:creationId xmlns:p14="http://schemas.microsoft.com/office/powerpoint/2010/main" val="1766738239"/>
+        <p14:creationId xmlns:p14="http://schemas.microsoft.com/office/powerpoint/2010/main" val="3361441536"/>
       </p:ext>
     </p:extLst>
   </p:cSld>
@@ -5308,7 +6032,7 @@
           <p:cNvPr id="2" name="Title 1">
             <a:extLst>
               <a:ext uri="{FF2B5EF4-FFF2-40B4-BE49-F238E27FC236}">
-                <a16:creationId xmlns:a16="http://schemas.microsoft.com/office/drawing/2014/main" id="{7F41E4F4-73D1-48E9-AFD3-D287D349CFBF}"/>
+                <a16:creationId xmlns:a16="http://schemas.microsoft.com/office/drawing/2014/main" id="{14440A06-FB01-4236-9026-CD453DAFF38D}"/>
               </a:ext>
             </a:extLst>
           </p:cNvPr>
@@ -5330,7 +6054,7 @@
                 <a:latin typeface="Helvetica" panose="020B0604020202020204" pitchFamily="34" charset="0"/>
                 <a:cs typeface="Helvetica" panose="020B0604020202020204" pitchFamily="34" charset="0"/>
               </a:rPr>
-              <a:t>Backend</a:t>
+              <a:t>LDAP</a:t>
             </a:r>
           </a:p>
         </p:txBody>
@@ -5340,7 +6064,7 @@
           <p:cNvPr id="3" name="Content Placeholder 2">
             <a:extLst>
               <a:ext uri="{FF2B5EF4-FFF2-40B4-BE49-F238E27FC236}">
-                <a16:creationId xmlns:a16="http://schemas.microsoft.com/office/drawing/2014/main" id="{CEAD64F6-9F54-4194-94B8-A5D6727B3EC4}"/>
+                <a16:creationId xmlns:a16="http://schemas.microsoft.com/office/drawing/2014/main" id="{06B2AD82-E928-4821-8CF1-4E7D38CD0D4D}"/>
               </a:ext>
             </a:extLst>
           </p:cNvPr>
@@ -5353,8 +6077,8 @@
         </p:nvSpPr>
         <p:spPr>
           <a:xfrm>
-            <a:off x="838200" y="2024109"/>
-            <a:ext cx="10515600" cy="4152854"/>
+            <a:off x="838200" y="2020933"/>
+            <a:ext cx="10515600" cy="4351338"/>
           </a:xfrm>
         </p:spPr>
         <p:txBody>
@@ -5363,27 +6087,27 @@
           <a:p>
             <a:r>
               <a:rPr lang="it-CH" dirty="0"/>
-              <a:t> </a:t>
-            </a:r>
-          </a:p>
-          <a:p>
-            <a:endParaRPr lang="it-CH" dirty="0"/>
-          </a:p>
-          <a:p>
-            <a:endParaRPr lang="it-CH" dirty="0"/>
-          </a:p>
-          <a:p>
-            <a:endParaRPr lang="it-CH" dirty="0"/>
-          </a:p>
-          <a:p>
-            <a:endParaRPr lang="it-CH" dirty="0"/>
+              <a:t>Accessi sicuri al AD-DS della scuola</a:t>
+            </a:r>
+          </a:p>
+          <a:p>
+            <a:r>
+              <a:rPr lang="it-CH" dirty="0"/>
+              <a:t>Dati di accesso criptati</a:t>
+            </a:r>
+          </a:p>
+          <a:p>
+            <a:r>
+              <a:rPr lang="it-CH" dirty="0"/>
+              <a:t>Semplice da usare</a:t>
+            </a:r>
           </a:p>
         </p:txBody>
       </p:sp>
     </p:spTree>
     <p:extLst>
       <p:ext uri="{BB962C8B-B14F-4D97-AF65-F5344CB8AC3E}">
-        <p14:creationId xmlns:p14="http://schemas.microsoft.com/office/powerpoint/2010/main" val="3092511657"/>
+        <p14:creationId xmlns:p14="http://schemas.microsoft.com/office/powerpoint/2010/main" val="551210519"/>
       </p:ext>
     </p:extLst>
   </p:cSld>
@@ -5437,7 +6161,7 @@
                 <a:latin typeface="Helvetica" panose="020B0604020202020204" pitchFamily="34" charset="0"/>
                 <a:cs typeface="Helvetica" panose="020B0604020202020204" pitchFamily="34" charset="0"/>
               </a:rPr>
-              <a:t>Database e JDBC</a:t>
+              <a:t>Arduino Yùn</a:t>
             </a:r>
           </a:p>
         </p:txBody>
@@ -5470,25 +6194,34 @@
           <a:p>
             <a:r>
               <a:rPr lang="it-CH" dirty="0"/>
-              <a:t>Sviluppato con MySql</a:t>
+              <a:t>Perché abbiamo scelto Yùn</a:t>
             </a:r>
           </a:p>
           <a:p>
             <a:r>
               <a:rPr lang="it-CH" dirty="0"/>
-              <a:t>Struttura Database generale</a:t>
+              <a:t>Spiegare schema</a:t>
             </a:r>
           </a:p>
           <a:p>
             <a:r>
               <a:rPr lang="it-CH" dirty="0"/>
-              <a:t>Query con JDBC  </a:t>
+              <a:t>Le due parti dell’Arduino </a:t>
+            </a:r>
+          </a:p>
+          <a:p>
+            <a:r>
+              <a:rPr lang="it-CH" dirty="0"/>
+              <a:t>Spiegare sistema pulsanti/web</a:t>
             </a:r>
           </a:p>
           <a:p>
             <a:endParaRPr lang="it-CH" dirty="0"/>
           </a:p>
           <a:p>
+            <a:pPr marL="0" indent="0">
+              <a:buNone/>
+            </a:pPr>
             <a:endParaRPr lang="it-CH" dirty="0"/>
           </a:p>
           <a:p>
@@ -5497,12 +6230,51 @@
           <a:p>
             <a:endParaRPr lang="it-CH" dirty="0"/>
           </a:p>
-        </p:txBody>
-      </p:sp>
+          <a:p>
+            <a:endParaRPr lang="it-CH" dirty="0"/>
+          </a:p>
+        </p:txBody>
+      </p:sp>
+      <p:pic>
+        <p:nvPicPr>
+          <p:cNvPr id="5" name="Picture 4">
+            <a:extLst>
+              <a:ext uri="{FF2B5EF4-FFF2-40B4-BE49-F238E27FC236}">
+                <a16:creationId xmlns:a16="http://schemas.microsoft.com/office/drawing/2014/main" id="{A08767A7-A36E-4F79-93CE-923B38F0FD01}"/>
+              </a:ext>
+            </a:extLst>
+          </p:cNvPr>
+          <p:cNvPicPr>
+            <a:picLocks noChangeAspect="1"/>
+          </p:cNvPicPr>
+          <p:nvPr/>
+        </p:nvPicPr>
+        <p:blipFill>
+          <a:blip r:embed="rId3">
+            <a:extLst>
+              <a:ext uri="{28A0092B-C50C-407E-A947-70E740481C1C}">
+                <a14:useLocalDpi xmlns:a14="http://schemas.microsoft.com/office/drawing/2010/main" val="0"/>
+              </a:ext>
+            </a:extLst>
+          </a:blip>
+          <a:stretch>
+            <a:fillRect/>
+          </a:stretch>
+        </p:blipFill>
+        <p:spPr>
+          <a:xfrm>
+            <a:off x="6096000" y="2024109"/>
+            <a:ext cx="5516184" cy="3644283"/>
+          </a:xfrm>
+          <a:prstGeom prst="rect">
+            <a:avLst/>
+          </a:prstGeom>
+        </p:spPr>
+      </p:pic>
     </p:spTree>
     <p:extLst>
       <p:ext uri="{BB962C8B-B14F-4D97-AF65-F5344CB8AC3E}">
-        <p14:creationId xmlns:p14="http://schemas.microsoft.com/office/powerpoint/2010/main" val="3616657600"/>
+        <p14:creationId xmlns:p14="http://schemas.microsoft.com/office/powerpoint/2010/main" val="1800720808"/>
       </p:ext>
     </p:extLst>
   </p:cSld>
@@ -5556,7 +6328,7 @@
                 <a:latin typeface="Helvetica" panose="020B0604020202020204" pitchFamily="34" charset="0"/>
                 <a:cs typeface="Helvetica" panose="020B0604020202020204" pitchFamily="34" charset="0"/>
               </a:rPr>
-              <a:t>ACC</a:t>
+              <a:t>ACC-Server</a:t>
             </a:r>
           </a:p>
         </p:txBody>

--- a/presentation/domotics presentation.pptx
+++ b/presentation/domotics presentation.pptx
@@ -4758,8 +4758,29 @@
           <a:p>
             <a:r>
               <a:rPr lang="it-CH" dirty="0"/>
-              <a:t> </a:t>
-            </a:r>
+              <a:t>Client-ID</a:t>
+            </a:r>
+          </a:p>
+          <a:p>
+            <a:r>
+              <a:rPr lang="it-CH" dirty="0"/>
+              <a:t>Autoconfiguration</a:t>
+            </a:r>
+          </a:p>
+          <a:p>
+            <a:r>
+              <a:rPr lang="it-CH" dirty="0"/>
+              <a:t>Client-Key</a:t>
+            </a:r>
+          </a:p>
+          <a:p>
+            <a:r>
+              <a:rPr lang="it-CH" dirty="0"/>
+              <a:t>Get, Set, Set Toggle</a:t>
+            </a:r>
+          </a:p>
+          <a:p>
+            <a:endParaRPr lang="it-CH" dirty="0"/>
           </a:p>
         </p:txBody>
       </p:sp>
@@ -5008,7 +5029,25 @@
           <a:p>
             <a:r>
               <a:rPr lang="it-CH" dirty="0"/>
-              <a:t> </a:t>
+              <a:t>AngularJS</a:t>
+            </a:r>
+          </a:p>
+          <a:p>
+            <a:r>
+              <a:rPr lang="it-CH" dirty="0"/>
+              <a:t>Views</a:t>
+            </a:r>
+          </a:p>
+          <a:p>
+            <a:r>
+              <a:rPr lang="it-CH" dirty="0"/>
+              <a:t>Controller</a:t>
+            </a:r>
+          </a:p>
+          <a:p>
+            <a:r>
+              <a:rPr lang="it-CH" dirty="0"/>
+              <a:t>Service </a:t>
             </a:r>
           </a:p>
           <a:p>
@@ -5115,8 +5154,29 @@
           <a:p>
             <a:r>
               <a:rPr lang="it-CH" dirty="0"/>
-              <a:t> </a:t>
-            </a:r>
+              <a:t>Tomcat</a:t>
+            </a:r>
+          </a:p>
+          <a:p>
+            <a:r>
+              <a:rPr lang="it-CH" dirty="0"/>
+              <a:t>LDAP</a:t>
+            </a:r>
+          </a:p>
+          <a:p>
+            <a:r>
+              <a:rPr lang="it-CH" dirty="0"/>
+              <a:t>JDBC</a:t>
+            </a:r>
+          </a:p>
+          <a:p>
+            <a:r>
+              <a:rPr lang="it-CH" dirty="0"/>
+              <a:t>ACC-Server</a:t>
+            </a:r>
+          </a:p>
+          <a:p>
+            <a:endParaRPr lang="it-CH" dirty="0"/>
           </a:p>
           <a:p>
             <a:endParaRPr lang="it-CH" dirty="0"/>
@@ -6361,7 +6421,19 @@
           <a:p>
             <a:r>
               <a:rPr lang="it-CH" dirty="0"/>
-              <a:t> </a:t>
+              <a:t>Comunicazione</a:t>
+            </a:r>
+          </a:p>
+          <a:p>
+            <a:r>
+              <a:rPr lang="it-CH" dirty="0"/>
+              <a:t>Key e ID</a:t>
+            </a:r>
+          </a:p>
+          <a:p>
+            <a:r>
+              <a:rPr lang="it-CH" dirty="0"/>
+              <a:t>Server</a:t>
             </a:r>
           </a:p>
           <a:p>
